--- a/documentation/CEM_CODE_OVERVIEW.pptx
+++ b/documentation/CEM_CODE_OVERVIEW.pptx
@@ -5,13 +5,18 @@
     <p:sldMasterId id="2147483672" r:id="rId1"/>
   </p:sldMasterIdLst>
   <p:notesMasterIdLst>
-    <p:notesMasterId r:id="rId6"/>
+    <p:notesMasterId r:id="rId11"/>
   </p:notesMasterIdLst>
   <p:sldIdLst>
     <p:sldId id="256" r:id="rId2"/>
     <p:sldId id="257" r:id="rId3"/>
     <p:sldId id="258" r:id="rId4"/>
     <p:sldId id="259" r:id="rId5"/>
+    <p:sldId id="260" r:id="rId6"/>
+    <p:sldId id="261" r:id="rId7"/>
+    <p:sldId id="263" r:id="rId8"/>
+    <p:sldId id="264" r:id="rId9"/>
+    <p:sldId id="262" r:id="rId10"/>
   </p:sldIdLst>
   <p:sldSz cx="9144000" cy="6858000" type="screen4x3"/>
   <p:notesSz cx="6858000" cy="9144000"/>
@@ -110,6 +115,11 @@
       </a:defRPr>
     </a:lvl9pPr>
   </p:defaultTextStyle>
+  <p:extLst>
+    <p:ext uri="{EFAFB233-063F-42B5-8137-9DF3F51BA10A}">
+      <p15:sldGuideLst xmlns:p15="http://schemas.microsoft.com/office/powerpoint/2012/main"/>
+    </p:ext>
+  </p:extLst>
 </p:presentation>
 </file>
 
@@ -3251,6 +3261,1185 @@
     <p:extLst>
       <p:ext uri="{BB962C8B-B14F-4D97-AF65-F5344CB8AC3E}">
         <p14:creationId xmlns:p14="http://schemas.microsoft.com/office/powerpoint/2010/main" val="1975534829"/>
+      </p:ext>
+    </p:extLst>
+  </p:cSld>
+  <p:clrMapOvr>
+    <a:masterClrMapping/>
+  </p:clrMapOvr>
+</p:sld>
+</file>
+
+<file path=ppt/slides/slide5.xml><?xml version="1.0" encoding="utf-8"?>
+<p:sld xmlns:a="http://schemas.openxmlformats.org/drawingml/2006/main" xmlns:r="http://schemas.openxmlformats.org/officeDocument/2006/relationships" xmlns:p="http://schemas.openxmlformats.org/presentationml/2006/main">
+  <p:cSld>
+    <p:spTree>
+      <p:nvGrpSpPr>
+        <p:cNvPr id="1" name=""/>
+        <p:cNvGrpSpPr/>
+        <p:nvPr/>
+      </p:nvGrpSpPr>
+      <p:grpSpPr>
+        <a:xfrm>
+          <a:off x="0" y="0"/>
+          <a:ext cx="0" cy="0"/>
+          <a:chOff x="0" y="0"/>
+          <a:chExt cx="0" cy="0"/>
+        </a:xfrm>
+      </p:grpSpPr>
+      <p:sp>
+        <p:nvSpPr>
+          <p:cNvPr id="2" name="Title 1">
+            <a:extLst>
+              <a:ext uri="{FF2B5EF4-FFF2-40B4-BE49-F238E27FC236}">
+                <a16:creationId xmlns:a16="http://schemas.microsoft.com/office/drawing/2014/main" id="{A6D83DAB-8F30-468E-81B7-F0E02A9CD117}"/>
+              </a:ext>
+            </a:extLst>
+          </p:cNvPr>
+          <p:cNvSpPr>
+            <a:spLocks noGrp="1"/>
+          </p:cNvSpPr>
+          <p:nvPr>
+            <p:ph type="title"/>
+          </p:nvPr>
+        </p:nvSpPr>
+        <p:spPr/>
+        <p:txBody>
+          <a:bodyPr/>
+          <a:lstStyle/>
+          <a:p>
+            <a:r>
+              <a:rPr lang="en-US" dirty="0"/>
+              <a:t>Translate</a:t>
+            </a:r>
+          </a:p>
+        </p:txBody>
+      </p:sp>
+      <p:sp>
+        <p:nvSpPr>
+          <p:cNvPr id="3" name="Content Placeholder 2">
+            <a:extLst>
+              <a:ext uri="{FF2B5EF4-FFF2-40B4-BE49-F238E27FC236}">
+                <a16:creationId xmlns:a16="http://schemas.microsoft.com/office/drawing/2014/main" id="{D3FCDA13-BAE8-40F7-BD4E-C69C2F2F7199}"/>
+              </a:ext>
+            </a:extLst>
+          </p:cNvPr>
+          <p:cNvSpPr>
+            <a:spLocks noGrp="1"/>
+          </p:cNvSpPr>
+          <p:nvPr>
+            <p:ph idx="1"/>
+          </p:nvPr>
+        </p:nvSpPr>
+        <p:spPr/>
+        <p:txBody>
+          <a:bodyPr>
+            <a:normAutofit fontScale="92500" lnSpcReduction="20000"/>
+          </a:bodyPr>
+          <a:lstStyle/>
+          <a:p>
+            <a:r>
+              <a:rPr lang="en-US" dirty="0"/>
+              <a:t>Take “Clean” data and translate source codes to standardized terminology</a:t>
+            </a:r>
+          </a:p>
+          <a:p>
+            <a:endParaRPr lang="en-US" dirty="0"/>
+          </a:p>
+          <a:p>
+            <a:r>
+              <a:rPr lang="en-US" dirty="0"/>
+              <a:t>All translations happen off the SOURCE_TO_CONCEPT_MAP:</a:t>
+            </a:r>
+          </a:p>
+          <a:p>
+            <a:pPr lvl="1"/>
+            <a:r>
+              <a:rPr lang="en-US" dirty="0"/>
+              <a:t>TRIFIRO_CONDITIONS</a:t>
+            </a:r>
+          </a:p>
+          <a:p>
+            <a:pPr lvl="1"/>
+            <a:r>
+              <a:rPr lang="en-US" dirty="0"/>
+              <a:t>MEDDRA_TO_STANDARD</a:t>
+            </a:r>
+          </a:p>
+          <a:p>
+            <a:pPr lvl="1"/>
+            <a:r>
+              <a:rPr lang="en-US" dirty="0"/>
+              <a:t>EUPLADR_TO_STANDARD</a:t>
+            </a:r>
+          </a:p>
+          <a:p>
+            <a:pPr lvl="1"/>
+            <a:r>
+              <a:rPr lang="en-US" dirty="0"/>
+              <a:t>MESH_TO_STANDARD</a:t>
+            </a:r>
+          </a:p>
+          <a:p>
+            <a:pPr lvl="1"/>
+            <a:r>
+              <a:rPr lang="en-US" dirty="0"/>
+              <a:t>SPL_TO_STANDARD_DRUG</a:t>
+            </a:r>
+          </a:p>
+          <a:p>
+            <a:pPr lvl="1"/>
+            <a:r>
+              <a:rPr lang="en-US" dirty="0"/>
+              <a:t>STANDARD_TO_MEDDRA</a:t>
+            </a:r>
+          </a:p>
+          <a:p>
+            <a:pPr lvl="1"/>
+            <a:r>
+              <a:rPr lang="en-US" dirty="0"/>
+              <a:t>CUI_TO_STANDARD</a:t>
+            </a:r>
+          </a:p>
+          <a:p>
+            <a:pPr lvl="1"/>
+            <a:endParaRPr lang="en-US" dirty="0"/>
+          </a:p>
+        </p:txBody>
+      </p:sp>
+      <p:sp>
+        <p:nvSpPr>
+          <p:cNvPr id="4" name="Slide Number Placeholder 3">
+            <a:extLst>
+              <a:ext uri="{FF2B5EF4-FFF2-40B4-BE49-F238E27FC236}">
+                <a16:creationId xmlns:a16="http://schemas.microsoft.com/office/drawing/2014/main" id="{C8E58DB0-84EF-4DC8-8D41-B66BB6B8B2EB}"/>
+              </a:ext>
+            </a:extLst>
+          </p:cNvPr>
+          <p:cNvSpPr>
+            <a:spLocks noGrp="1"/>
+          </p:cNvSpPr>
+          <p:nvPr>
+            <p:ph type="sldNum" sz="quarter" idx="4"/>
+          </p:nvPr>
+        </p:nvSpPr>
+        <p:spPr/>
+        <p:txBody>
+          <a:bodyPr/>
+          <a:lstStyle/>
+          <a:p>
+            <a:fld id="{D4B23ADE-8655-4B65-8917-FFC430951E95}" type="slidenum">
+              <a:rPr lang="en-US" smtClean="0"/>
+              <a:t>5</a:t>
+            </a:fld>
+            <a:endParaRPr lang="en-US"/>
+          </a:p>
+        </p:txBody>
+      </p:sp>
+      <p:pic>
+        <p:nvPicPr>
+          <p:cNvPr id="5" name="Picture 4">
+            <a:extLst>
+              <a:ext uri="{FF2B5EF4-FFF2-40B4-BE49-F238E27FC236}">
+                <a16:creationId xmlns:a16="http://schemas.microsoft.com/office/drawing/2014/main" id="{3F60B350-D12A-424A-B8BF-439A0B447314}"/>
+              </a:ext>
+            </a:extLst>
+          </p:cNvPr>
+          <p:cNvPicPr>
+            <a:picLocks noChangeAspect="1"/>
+          </p:cNvPicPr>
+          <p:nvPr/>
+        </p:nvPicPr>
+        <p:blipFill>
+          <a:blip r:embed="rId2"/>
+          <a:stretch>
+            <a:fillRect/>
+          </a:stretch>
+        </p:blipFill>
+        <p:spPr>
+          <a:xfrm>
+            <a:off x="6057900" y="1920041"/>
+            <a:ext cx="2628900" cy="4086225"/>
+          </a:xfrm>
+          <a:prstGeom prst="rect">
+            <a:avLst/>
+          </a:prstGeom>
+          <a:ln w="38100" cap="sq">
+            <a:solidFill>
+              <a:srgbClr val="000000"/>
+            </a:solidFill>
+            <a:prstDash val="solid"/>
+            <a:miter lim="800000"/>
+          </a:ln>
+          <a:effectLst>
+            <a:outerShdw blurRad="50800" dist="38100" dir="2700000" algn="tl" rotWithShape="0">
+              <a:srgbClr val="000000">
+                <a:alpha val="43000"/>
+              </a:srgbClr>
+            </a:outerShdw>
+          </a:effectLst>
+        </p:spPr>
+      </p:pic>
+    </p:spTree>
+    <p:extLst>
+      <p:ext uri="{BB962C8B-B14F-4D97-AF65-F5344CB8AC3E}">
+        <p14:creationId xmlns:p14="http://schemas.microsoft.com/office/powerpoint/2010/main" val="520672017"/>
+      </p:ext>
+    </p:extLst>
+  </p:cSld>
+  <p:clrMapOvr>
+    <a:masterClrMapping/>
+  </p:clrMapOvr>
+</p:sld>
+</file>
+
+<file path=ppt/slides/slide6.xml><?xml version="1.0" encoding="utf-8"?>
+<p:sld xmlns:a="http://schemas.openxmlformats.org/drawingml/2006/main" xmlns:r="http://schemas.openxmlformats.org/officeDocument/2006/relationships" xmlns:p="http://schemas.openxmlformats.org/presentationml/2006/main">
+  <p:cSld>
+    <p:spTree>
+      <p:nvGrpSpPr>
+        <p:cNvPr id="1" name=""/>
+        <p:cNvGrpSpPr/>
+        <p:nvPr/>
+      </p:nvGrpSpPr>
+      <p:grpSpPr>
+        <a:xfrm>
+          <a:off x="0" y="0"/>
+          <a:ext cx="0" cy="0"/>
+          <a:chOff x="0" y="0"/>
+          <a:chExt cx="0" cy="0"/>
+        </a:xfrm>
+      </p:grpSpPr>
+      <p:sp>
+        <p:nvSpPr>
+          <p:cNvPr id="2" name="Title 1">
+            <a:extLst>
+              <a:ext uri="{FF2B5EF4-FFF2-40B4-BE49-F238E27FC236}">
+                <a16:creationId xmlns:a16="http://schemas.microsoft.com/office/drawing/2014/main" id="{51054CFF-43D1-4A01-BFC4-01F11C1A5D7C}"/>
+              </a:ext>
+            </a:extLst>
+          </p:cNvPr>
+          <p:cNvSpPr>
+            <a:spLocks noGrp="1"/>
+          </p:cNvSpPr>
+          <p:nvPr>
+            <p:ph type="title"/>
+          </p:nvPr>
+        </p:nvSpPr>
+        <p:spPr/>
+        <p:txBody>
+          <a:bodyPr/>
+          <a:lstStyle/>
+          <a:p>
+            <a:r>
+              <a:rPr lang="en-US" dirty="0"/>
+              <a:t>Evidence</a:t>
+            </a:r>
+          </a:p>
+        </p:txBody>
+      </p:sp>
+      <p:sp>
+        <p:nvSpPr>
+          <p:cNvPr id="3" name="Content Placeholder 2">
+            <a:extLst>
+              <a:ext uri="{FF2B5EF4-FFF2-40B4-BE49-F238E27FC236}">
+                <a16:creationId xmlns:a16="http://schemas.microsoft.com/office/drawing/2014/main" id="{BD14C376-B46F-4049-AE6C-C3EE662E13C7}"/>
+              </a:ext>
+            </a:extLst>
+          </p:cNvPr>
+          <p:cNvSpPr>
+            <a:spLocks noGrp="1"/>
+          </p:cNvSpPr>
+          <p:nvPr>
+            <p:ph idx="1"/>
+          </p:nvPr>
+        </p:nvSpPr>
+        <p:spPr>
+          <a:xfrm>
+            <a:off x="457200" y="1665838"/>
+            <a:ext cx="8229600" cy="4460325"/>
+          </a:xfrm>
+        </p:spPr>
+        <p:txBody>
+          <a:bodyPr>
+            <a:normAutofit/>
+          </a:bodyPr>
+          <a:lstStyle/>
+          <a:p>
+            <a:r>
+              <a:rPr lang="en-US" dirty="0"/>
+              <a:t>CEM_UNIFIED</a:t>
+            </a:r>
+          </a:p>
+          <a:p>
+            <a:pPr lvl="1"/>
+            <a:endParaRPr lang="en-US" dirty="0"/>
+          </a:p>
+          <a:p>
+            <a:pPr lvl="1"/>
+            <a:endParaRPr lang="en-US" dirty="0"/>
+          </a:p>
+          <a:p>
+            <a:pPr lvl="1"/>
+            <a:endParaRPr lang="en-US" dirty="0"/>
+          </a:p>
+          <a:p>
+            <a:pPr lvl="1"/>
+            <a:endParaRPr lang="en-US" dirty="0"/>
+          </a:p>
+          <a:p>
+            <a:endParaRPr lang="en-US" dirty="0"/>
+          </a:p>
+          <a:p>
+            <a:endParaRPr lang="en-US" dirty="0"/>
+          </a:p>
+          <a:p>
+            <a:r>
+              <a:rPr lang="en-US" dirty="0"/>
+              <a:t>Negative Controls</a:t>
+            </a:r>
+          </a:p>
+        </p:txBody>
+      </p:sp>
+      <p:sp>
+        <p:nvSpPr>
+          <p:cNvPr id="4" name="Slide Number Placeholder 3">
+            <a:extLst>
+              <a:ext uri="{FF2B5EF4-FFF2-40B4-BE49-F238E27FC236}">
+                <a16:creationId xmlns:a16="http://schemas.microsoft.com/office/drawing/2014/main" id="{7D4B9F22-709C-4A74-9CFB-F2E6B6C599AF}"/>
+              </a:ext>
+            </a:extLst>
+          </p:cNvPr>
+          <p:cNvSpPr>
+            <a:spLocks noGrp="1"/>
+          </p:cNvSpPr>
+          <p:nvPr>
+            <p:ph type="sldNum" sz="quarter" idx="4"/>
+          </p:nvPr>
+        </p:nvSpPr>
+        <p:spPr/>
+        <p:txBody>
+          <a:bodyPr/>
+          <a:lstStyle/>
+          <a:p>
+            <a:fld id="{D4B23ADE-8655-4B65-8917-FFC430951E95}" type="slidenum">
+              <a:rPr lang="en-US" smtClean="0"/>
+              <a:t>6</a:t>
+            </a:fld>
+            <a:endParaRPr lang="en-US"/>
+          </a:p>
+        </p:txBody>
+      </p:sp>
+      <p:pic>
+        <p:nvPicPr>
+          <p:cNvPr id="5" name="Picture 4">
+            <a:extLst>
+              <a:ext uri="{FF2B5EF4-FFF2-40B4-BE49-F238E27FC236}">
+                <a16:creationId xmlns:a16="http://schemas.microsoft.com/office/drawing/2014/main" id="{AA6362BC-D334-48FF-A3DA-33F53BC6BF24}"/>
+              </a:ext>
+            </a:extLst>
+          </p:cNvPr>
+          <p:cNvPicPr>
+            <a:picLocks noChangeAspect="1"/>
+          </p:cNvPicPr>
+          <p:nvPr/>
+        </p:nvPicPr>
+        <p:blipFill>
+          <a:blip r:embed="rId2"/>
+          <a:stretch>
+            <a:fillRect/>
+          </a:stretch>
+        </p:blipFill>
+        <p:spPr>
+          <a:xfrm>
+            <a:off x="3919537" y="1094685"/>
+            <a:ext cx="1990725" cy="1981200"/>
+          </a:xfrm>
+          <a:prstGeom prst="rect">
+            <a:avLst/>
+          </a:prstGeom>
+          <a:ln w="38100" cap="sq">
+            <a:solidFill>
+              <a:srgbClr val="000000"/>
+            </a:solidFill>
+            <a:prstDash val="solid"/>
+            <a:miter lim="800000"/>
+          </a:ln>
+          <a:effectLst>
+            <a:outerShdw blurRad="50800" dist="38100" dir="2700000" algn="tl" rotWithShape="0">
+              <a:srgbClr val="000000">
+                <a:alpha val="43000"/>
+              </a:srgbClr>
+            </a:outerShdw>
+          </a:effectLst>
+        </p:spPr>
+      </p:pic>
+      <p:pic>
+        <p:nvPicPr>
+          <p:cNvPr id="6" name="Picture 5">
+            <a:extLst>
+              <a:ext uri="{FF2B5EF4-FFF2-40B4-BE49-F238E27FC236}">
+                <a16:creationId xmlns:a16="http://schemas.microsoft.com/office/drawing/2014/main" id="{3F460826-F18B-438F-8252-D95E785157DF}"/>
+              </a:ext>
+            </a:extLst>
+          </p:cNvPr>
+          <p:cNvPicPr>
+            <a:picLocks noChangeAspect="1"/>
+          </p:cNvPicPr>
+          <p:nvPr/>
+        </p:nvPicPr>
+        <p:blipFill>
+          <a:blip r:embed="rId3"/>
+          <a:stretch>
+            <a:fillRect/>
+          </a:stretch>
+        </p:blipFill>
+        <p:spPr>
+          <a:xfrm>
+            <a:off x="0" y="3304485"/>
+            <a:ext cx="9144000" cy="1569396"/>
+          </a:xfrm>
+          <a:prstGeom prst="rect">
+            <a:avLst/>
+          </a:prstGeom>
+          <a:ln w="38100" cap="sq">
+            <a:solidFill>
+              <a:srgbClr val="000000"/>
+            </a:solidFill>
+            <a:prstDash val="solid"/>
+            <a:miter lim="800000"/>
+          </a:ln>
+          <a:effectLst>
+            <a:outerShdw blurRad="50800" dist="38100" dir="2700000" algn="tl" rotWithShape="0">
+              <a:srgbClr val="000000">
+                <a:alpha val="43000"/>
+              </a:srgbClr>
+            </a:outerShdw>
+          </a:effectLst>
+        </p:spPr>
+      </p:pic>
+    </p:spTree>
+    <p:extLst>
+      <p:ext uri="{BB962C8B-B14F-4D97-AF65-F5344CB8AC3E}">
+        <p14:creationId xmlns:p14="http://schemas.microsoft.com/office/powerpoint/2010/main" val="1608236908"/>
+      </p:ext>
+    </p:extLst>
+  </p:cSld>
+  <p:clrMapOvr>
+    <a:masterClrMapping/>
+  </p:clrMapOvr>
+</p:sld>
+</file>
+
+<file path=ppt/slides/slide7.xml><?xml version="1.0" encoding="utf-8"?>
+<p:sld xmlns:a="http://schemas.openxmlformats.org/drawingml/2006/main" xmlns:r="http://schemas.openxmlformats.org/officeDocument/2006/relationships" xmlns:p="http://schemas.openxmlformats.org/presentationml/2006/main">
+  <p:cSld>
+    <p:spTree>
+      <p:nvGrpSpPr>
+        <p:cNvPr id="1" name=""/>
+        <p:cNvGrpSpPr/>
+        <p:nvPr/>
+      </p:nvGrpSpPr>
+      <p:grpSpPr>
+        <a:xfrm>
+          <a:off x="0" y="0"/>
+          <a:ext cx="0" cy="0"/>
+          <a:chOff x="0" y="0"/>
+          <a:chExt cx="0" cy="0"/>
+        </a:xfrm>
+      </p:grpSpPr>
+      <p:sp>
+        <p:nvSpPr>
+          <p:cNvPr id="2" name="Title 1">
+            <a:extLst>
+              <a:ext uri="{FF2B5EF4-FFF2-40B4-BE49-F238E27FC236}">
+                <a16:creationId xmlns:a16="http://schemas.microsoft.com/office/drawing/2014/main" id="{A6B82EE6-1062-4A7C-82C6-41C36398BF5E}"/>
+              </a:ext>
+            </a:extLst>
+          </p:cNvPr>
+          <p:cNvSpPr>
+            <a:spLocks noGrp="1"/>
+          </p:cNvSpPr>
+          <p:nvPr>
+            <p:ph type="title"/>
+          </p:nvPr>
+        </p:nvSpPr>
+        <p:spPr/>
+        <p:txBody>
+          <a:bodyPr/>
+          <a:lstStyle/>
+          <a:p>
+            <a:r>
+              <a:rPr lang="en-US" dirty="0"/>
+              <a:t>Negative Controls</a:t>
+            </a:r>
+          </a:p>
+        </p:txBody>
+      </p:sp>
+      <p:sp>
+        <p:nvSpPr>
+          <p:cNvPr id="3" name="Content Placeholder 2">
+            <a:extLst>
+              <a:ext uri="{FF2B5EF4-FFF2-40B4-BE49-F238E27FC236}">
+                <a16:creationId xmlns:a16="http://schemas.microsoft.com/office/drawing/2014/main" id="{612D1264-00EB-46B5-8A54-A315F41622AB}"/>
+              </a:ext>
+            </a:extLst>
+          </p:cNvPr>
+          <p:cNvSpPr>
+            <a:spLocks noGrp="1"/>
+          </p:cNvSpPr>
+          <p:nvPr>
+            <p:ph idx="1"/>
+          </p:nvPr>
+        </p:nvSpPr>
+        <p:spPr/>
+        <p:txBody>
+          <a:bodyPr>
+            <a:normAutofit fontScale="70000" lnSpcReduction="20000"/>
+          </a:bodyPr>
+          <a:lstStyle/>
+          <a:p>
+            <a:r>
+              <a:rPr lang="en-US" dirty="0"/>
+              <a:t>Prep</a:t>
+            </a:r>
+          </a:p>
+          <a:p>
+            <a:pPr lvl="1"/>
+            <a:r>
+              <a:rPr lang="en-US" dirty="0"/>
+              <a:t>Find Universe by Utilizing Data (all pairs)</a:t>
+            </a:r>
+          </a:p>
+          <a:p>
+            <a:pPr lvl="1"/>
+            <a:r>
+              <a:rPr lang="en-US" dirty="0"/>
+              <a:t>Define Broad Concepts</a:t>
+            </a:r>
+          </a:p>
+          <a:p>
+            <a:pPr lvl="1"/>
+            <a:r>
+              <a:rPr lang="en-US" dirty="0"/>
+              <a:t>Drug Related Concepts</a:t>
+            </a:r>
+          </a:p>
+          <a:p>
+            <a:pPr lvl="1"/>
+            <a:r>
+              <a:rPr lang="en-US" dirty="0"/>
+              <a:t>Pregnancy Concepts</a:t>
+            </a:r>
+          </a:p>
+          <a:p>
+            <a:r>
+              <a:rPr lang="en-US" dirty="0"/>
+              <a:t>User Input:</a:t>
+            </a:r>
+          </a:p>
+          <a:p>
+            <a:pPr lvl="1"/>
+            <a:r>
+              <a:rPr lang="en-US" dirty="0"/>
+              <a:t>Concepts you want negative controls for</a:t>
+            </a:r>
+          </a:p>
+          <a:p>
+            <a:pPr lvl="1"/>
+            <a:r>
+              <a:rPr lang="en-US" dirty="0"/>
+              <a:t>Concepts you already know you want to exclude (optional)</a:t>
+            </a:r>
+          </a:p>
+          <a:p>
+            <a:pPr lvl="1"/>
+            <a:r>
+              <a:rPr lang="en-US" dirty="0"/>
+              <a:t>Concepts you already know you want to include (optional)</a:t>
+            </a:r>
+          </a:p>
+          <a:p>
+            <a:r>
+              <a:rPr lang="en-US" dirty="0"/>
+              <a:t>Processing</a:t>
+            </a:r>
+          </a:p>
+          <a:p>
+            <a:pPr lvl="1"/>
+            <a:r>
+              <a:rPr lang="en-US" dirty="0"/>
+              <a:t>Based on concepts of interest, find universe</a:t>
+            </a:r>
+          </a:p>
+          <a:p>
+            <a:pPr lvl="1"/>
+            <a:r>
+              <a:rPr lang="en-US" dirty="0"/>
+              <a:t>Pull evidence from sources based on universe</a:t>
+            </a:r>
+          </a:p>
+          <a:p>
+            <a:pPr lvl="1"/>
+            <a:r>
+              <a:rPr lang="en-US" dirty="0"/>
+              <a:t>Summarize evidence into wide table</a:t>
+            </a:r>
+          </a:p>
+          <a:p>
+            <a:pPr lvl="1"/>
+            <a:r>
+              <a:rPr lang="en-US" dirty="0"/>
+              <a:t>Optimize concepts left when all columns of evidence are 0</a:t>
+            </a:r>
+          </a:p>
+          <a:p>
+            <a:pPr lvl="1"/>
+            <a:r>
+              <a:rPr lang="en-US" dirty="0"/>
+              <a:t>Export</a:t>
+            </a:r>
+          </a:p>
+          <a:p>
+            <a:pPr lvl="1"/>
+            <a:endParaRPr lang="en-US" dirty="0"/>
+          </a:p>
+          <a:p>
+            <a:pPr lvl="1"/>
+            <a:endParaRPr lang="en-US" dirty="0"/>
+          </a:p>
+        </p:txBody>
+      </p:sp>
+      <p:sp>
+        <p:nvSpPr>
+          <p:cNvPr id="4" name="Slide Number Placeholder 3">
+            <a:extLst>
+              <a:ext uri="{FF2B5EF4-FFF2-40B4-BE49-F238E27FC236}">
+                <a16:creationId xmlns:a16="http://schemas.microsoft.com/office/drawing/2014/main" id="{D9AE4135-E759-48A8-9BD3-420E04D97219}"/>
+              </a:ext>
+            </a:extLst>
+          </p:cNvPr>
+          <p:cNvSpPr>
+            <a:spLocks noGrp="1"/>
+          </p:cNvSpPr>
+          <p:nvPr>
+            <p:ph type="sldNum" sz="quarter" idx="4"/>
+          </p:nvPr>
+        </p:nvSpPr>
+        <p:spPr/>
+        <p:txBody>
+          <a:bodyPr/>
+          <a:lstStyle/>
+          <a:p>
+            <a:fld id="{D4B23ADE-8655-4B65-8917-FFC430951E95}" type="slidenum">
+              <a:rPr lang="en-US" smtClean="0"/>
+              <a:t>7</a:t>
+            </a:fld>
+            <a:endParaRPr lang="en-US"/>
+          </a:p>
+        </p:txBody>
+      </p:sp>
+    </p:spTree>
+    <p:extLst>
+      <p:ext uri="{BB962C8B-B14F-4D97-AF65-F5344CB8AC3E}">
+        <p14:creationId xmlns:p14="http://schemas.microsoft.com/office/powerpoint/2010/main" val="4262635396"/>
+      </p:ext>
+    </p:extLst>
+  </p:cSld>
+  <p:clrMapOvr>
+    <a:masterClrMapping/>
+  </p:clrMapOvr>
+</p:sld>
+</file>
+
+<file path=ppt/slides/slide8.xml><?xml version="1.0" encoding="utf-8"?>
+<p:sld xmlns:a="http://schemas.openxmlformats.org/drawingml/2006/main" xmlns:r="http://schemas.openxmlformats.org/officeDocument/2006/relationships" xmlns:p="http://schemas.openxmlformats.org/presentationml/2006/main">
+  <p:cSld>
+    <p:spTree>
+      <p:nvGrpSpPr>
+        <p:cNvPr id="1" name=""/>
+        <p:cNvGrpSpPr/>
+        <p:nvPr/>
+      </p:nvGrpSpPr>
+      <p:grpSpPr>
+        <a:xfrm>
+          <a:off x="0" y="0"/>
+          <a:ext cx="0" cy="0"/>
+          <a:chOff x="0" y="0"/>
+          <a:chExt cx="0" cy="0"/>
+        </a:xfrm>
+      </p:grpSpPr>
+      <p:sp>
+        <p:nvSpPr>
+          <p:cNvPr id="2" name="Title 1">
+            <a:extLst>
+              <a:ext uri="{FF2B5EF4-FFF2-40B4-BE49-F238E27FC236}">
+                <a16:creationId xmlns:a16="http://schemas.microsoft.com/office/drawing/2014/main" id="{A1A66A62-B3BA-44FA-B692-6A15A87C382D}"/>
+              </a:ext>
+            </a:extLst>
+          </p:cNvPr>
+          <p:cNvSpPr>
+            <a:spLocks noGrp="1"/>
+          </p:cNvSpPr>
+          <p:nvPr>
+            <p:ph type="title"/>
+          </p:nvPr>
+        </p:nvSpPr>
+        <p:spPr/>
+        <p:txBody>
+          <a:bodyPr/>
+          <a:lstStyle/>
+          <a:p>
+            <a:r>
+              <a:rPr lang="en-US" dirty="0"/>
+              <a:t>Negative Controls Export</a:t>
+            </a:r>
+          </a:p>
+        </p:txBody>
+      </p:sp>
+      <p:sp>
+        <p:nvSpPr>
+          <p:cNvPr id="3" name="Content Placeholder 2">
+            <a:extLst>
+              <a:ext uri="{FF2B5EF4-FFF2-40B4-BE49-F238E27FC236}">
+                <a16:creationId xmlns:a16="http://schemas.microsoft.com/office/drawing/2014/main" id="{CD8FC26D-BA7E-46DA-867A-8F5174588FE5}"/>
+              </a:ext>
+            </a:extLst>
+          </p:cNvPr>
+          <p:cNvSpPr>
+            <a:spLocks noGrp="1"/>
+          </p:cNvSpPr>
+          <p:nvPr>
+            <p:ph idx="1"/>
+          </p:nvPr>
+        </p:nvSpPr>
+        <p:spPr>
+          <a:xfrm>
+            <a:off x="457200" y="1219200"/>
+            <a:ext cx="8229600" cy="5118226"/>
+          </a:xfrm>
+        </p:spPr>
+        <p:txBody>
+          <a:bodyPr>
+            <a:normAutofit fontScale="40000" lnSpcReduction="20000"/>
+          </a:bodyPr>
+          <a:lstStyle/>
+          <a:p>
+            <a:r>
+              <a:rPr lang="en-US" dirty="0"/>
+              <a:t>NEGATIVE_CONTROL</a:t>
+            </a:r>
+          </a:p>
+          <a:p>
+            <a:r>
+              <a:rPr lang="en-US" dirty="0"/>
+              <a:t>OUTCOME_OF_INTEREST_CONCEPT_ID </a:t>
+            </a:r>
+          </a:p>
+          <a:p>
+            <a:r>
+              <a:rPr lang="en-US" dirty="0"/>
+              <a:t>OUTCOME_OF_INTEREST_CONCEPT_NAME </a:t>
+            </a:r>
+          </a:p>
+          <a:p>
+            <a:r>
+              <a:rPr lang="en-US" dirty="0"/>
+              <a:t>PERSON_COUNT_RC </a:t>
+            </a:r>
+          </a:p>
+          <a:p>
+            <a:r>
+              <a:rPr lang="en-US" dirty="0"/>
+              <a:t>PERSON_COUNT_DC </a:t>
+            </a:r>
+          </a:p>
+          <a:p>
+            <a:r>
+              <a:rPr lang="en-US" dirty="0"/>
+              <a:t>DESCENDANT_PMID_COUNT </a:t>
+            </a:r>
+          </a:p>
+          <a:p>
+            <a:r>
+              <a:rPr lang="en-US" dirty="0"/>
+              <a:t>EXACT_PMID_COUNT </a:t>
+            </a:r>
+          </a:p>
+          <a:p>
+            <a:r>
+              <a:rPr lang="en-US" dirty="0"/>
+              <a:t>PARENT_PMID_COUNT </a:t>
+            </a:r>
+          </a:p>
+          <a:p>
+            <a:r>
+              <a:rPr lang="en-US" dirty="0"/>
+              <a:t>ANCESTOR_PMID_COUNT </a:t>
+            </a:r>
+          </a:p>
+          <a:p>
+            <a:r>
+              <a:rPr lang="en-US" dirty="0"/>
+              <a:t>INDICATION </a:t>
+            </a:r>
+          </a:p>
+          <a:p>
+            <a:r>
+              <a:rPr lang="en-US" dirty="0"/>
+              <a:t>TOO_BROAD </a:t>
+            </a:r>
+          </a:p>
+          <a:p>
+            <a:r>
+              <a:rPr lang="en-US" dirty="0"/>
+              <a:t>DRUG_INDUCED </a:t>
+            </a:r>
+          </a:p>
+          <a:p>
+            <a:r>
+              <a:rPr lang="en-US" dirty="0"/>
+              <a:t>PREGNANCY </a:t>
+            </a:r>
+          </a:p>
+          <a:p>
+            <a:r>
+              <a:rPr lang="en-US" dirty="0"/>
+              <a:t>DESCENDANT_SPLICER </a:t>
+            </a:r>
+          </a:p>
+          <a:p>
+            <a:r>
+              <a:rPr lang="en-US" dirty="0"/>
+              <a:t>EXACT_SPLICER </a:t>
+            </a:r>
+          </a:p>
+          <a:p>
+            <a:r>
+              <a:rPr lang="en-US" dirty="0"/>
+              <a:t>PARENT_SPLICER </a:t>
+            </a:r>
+          </a:p>
+          <a:p>
+            <a:r>
+              <a:rPr lang="en-US" dirty="0"/>
+              <a:t>ANCESTOR_SPLICER </a:t>
+            </a:r>
+          </a:p>
+          <a:p>
+            <a:r>
+              <a:rPr lang="en-US" dirty="0"/>
+              <a:t>DESCENDANT_FAERS </a:t>
+            </a:r>
+          </a:p>
+          <a:p>
+            <a:r>
+              <a:rPr lang="en-US" dirty="0"/>
+              <a:t>EXACT_FAERS </a:t>
+            </a:r>
+          </a:p>
+          <a:p>
+            <a:r>
+              <a:rPr lang="en-US" dirty="0"/>
+              <a:t>PARENT_FAERS </a:t>
+            </a:r>
+          </a:p>
+          <a:p>
+            <a:r>
+              <a:rPr lang="en-US" dirty="0"/>
+              <a:t>ANCESTOR_FAERS </a:t>
+            </a:r>
+          </a:p>
+          <a:p>
+            <a:r>
+              <a:rPr lang="en-US" dirty="0"/>
+              <a:t>USER_EXCLUDED </a:t>
+            </a:r>
+          </a:p>
+          <a:p>
+            <a:r>
+              <a:rPr lang="en-US" dirty="0"/>
+              <a:t>USER_INCLUDED </a:t>
+            </a:r>
+          </a:p>
+          <a:p>
+            <a:r>
+              <a:rPr lang="en-US" dirty="0"/>
+              <a:t>OPTIMIZED_OUT </a:t>
+            </a:r>
+          </a:p>
+          <a:p>
+            <a:r>
+              <a:rPr lang="en-US" dirty="0"/>
+              <a:t>NOT_PREVELANT </a:t>
+            </a:r>
+          </a:p>
+        </p:txBody>
+      </p:sp>
+      <p:sp>
+        <p:nvSpPr>
+          <p:cNvPr id="4" name="Slide Number Placeholder 3">
+            <a:extLst>
+              <a:ext uri="{FF2B5EF4-FFF2-40B4-BE49-F238E27FC236}">
+                <a16:creationId xmlns:a16="http://schemas.microsoft.com/office/drawing/2014/main" id="{DA250FD9-4A87-4E88-8C5C-91115771C4B5}"/>
+              </a:ext>
+            </a:extLst>
+          </p:cNvPr>
+          <p:cNvSpPr>
+            <a:spLocks noGrp="1"/>
+          </p:cNvSpPr>
+          <p:nvPr>
+            <p:ph type="sldNum" sz="quarter" idx="4"/>
+          </p:nvPr>
+        </p:nvSpPr>
+        <p:spPr/>
+        <p:txBody>
+          <a:bodyPr/>
+          <a:lstStyle/>
+          <a:p>
+            <a:fld id="{D4B23ADE-8655-4B65-8917-FFC430951E95}" type="slidenum">
+              <a:rPr lang="en-US" smtClean="0"/>
+              <a:t>8</a:t>
+            </a:fld>
+            <a:endParaRPr lang="en-US"/>
+          </a:p>
+        </p:txBody>
+      </p:sp>
+    </p:spTree>
+    <p:extLst>
+      <p:ext uri="{BB962C8B-B14F-4D97-AF65-F5344CB8AC3E}">
+        <p14:creationId xmlns:p14="http://schemas.microsoft.com/office/powerpoint/2010/main" val="182456503"/>
+      </p:ext>
+    </p:extLst>
+  </p:cSld>
+  <p:clrMapOvr>
+    <a:masterClrMapping/>
+  </p:clrMapOvr>
+</p:sld>
+</file>
+
+<file path=ppt/slides/slide9.xml><?xml version="1.0" encoding="utf-8"?>
+<p:sld xmlns:a="http://schemas.openxmlformats.org/drawingml/2006/main" xmlns:r="http://schemas.openxmlformats.org/officeDocument/2006/relationships" xmlns:p="http://schemas.openxmlformats.org/presentationml/2006/main">
+  <p:cSld>
+    <p:spTree>
+      <p:nvGrpSpPr>
+        <p:cNvPr id="1" name=""/>
+        <p:cNvGrpSpPr/>
+        <p:nvPr/>
+      </p:nvGrpSpPr>
+      <p:grpSpPr>
+        <a:xfrm>
+          <a:off x="0" y="0"/>
+          <a:ext cx="0" cy="0"/>
+          <a:chOff x="0" y="0"/>
+          <a:chExt cx="0" cy="0"/>
+        </a:xfrm>
+      </p:grpSpPr>
+      <p:sp>
+        <p:nvSpPr>
+          <p:cNvPr id="2" name="Title 1">
+            <a:extLst>
+              <a:ext uri="{FF2B5EF4-FFF2-40B4-BE49-F238E27FC236}">
+                <a16:creationId xmlns:a16="http://schemas.microsoft.com/office/drawing/2014/main" id="{98ED98A5-CEBD-4558-AA64-51DDB1B0E27D}"/>
+              </a:ext>
+            </a:extLst>
+          </p:cNvPr>
+          <p:cNvSpPr>
+            <a:spLocks noGrp="1"/>
+          </p:cNvSpPr>
+          <p:nvPr>
+            <p:ph type="title"/>
+          </p:nvPr>
+        </p:nvSpPr>
+        <p:spPr/>
+        <p:txBody>
+          <a:bodyPr/>
+          <a:lstStyle/>
+          <a:p>
+            <a:r>
+              <a:rPr lang="en-US" dirty="0"/>
+              <a:t>Next Steps</a:t>
+            </a:r>
+          </a:p>
+        </p:txBody>
+      </p:sp>
+      <p:sp>
+        <p:nvSpPr>
+          <p:cNvPr id="3" name="Content Placeholder 2">
+            <a:extLst>
+              <a:ext uri="{FF2B5EF4-FFF2-40B4-BE49-F238E27FC236}">
+                <a16:creationId xmlns:a16="http://schemas.microsoft.com/office/drawing/2014/main" id="{FF8EAD90-9DF4-45B2-B461-ED4341524507}"/>
+              </a:ext>
+            </a:extLst>
+          </p:cNvPr>
+          <p:cNvSpPr>
+            <a:spLocks noGrp="1"/>
+          </p:cNvSpPr>
+          <p:nvPr>
+            <p:ph idx="1"/>
+          </p:nvPr>
+        </p:nvSpPr>
+        <p:spPr/>
+        <p:txBody>
+          <a:bodyPr>
+            <a:normAutofit/>
+          </a:bodyPr>
+          <a:lstStyle/>
+          <a:p>
+            <a:r>
+              <a:rPr lang="en-US" sz="2000" dirty="0"/>
+              <a:t>Issue 30 – Bug – Review Drug Fingolimod</a:t>
+            </a:r>
+          </a:p>
+          <a:p>
+            <a:r>
+              <a:rPr lang="en-US" sz="2000" dirty="0"/>
+              <a:t>Issue 33 – Fix Raw Data Counts</a:t>
+            </a:r>
+          </a:p>
+          <a:p>
+            <a:r>
+              <a:rPr lang="en-US" sz="2000" dirty="0"/>
+              <a:t>Issue 32 – EVIDENCE.EVIDENCE_UNIFIED</a:t>
+            </a:r>
+          </a:p>
+          <a:p>
+            <a:r>
+              <a:rPr lang="en-US" sz="2000" dirty="0"/>
+              <a:t>Issue 44 - </a:t>
+            </a:r>
+            <a:r>
+              <a:rPr lang="en-US" sz="2000" dirty="0" err="1"/>
+              <a:t>postProcessingNegativeControlsExport</a:t>
+            </a:r>
+            <a:endParaRPr lang="en-US" sz="2000" dirty="0"/>
+          </a:p>
+          <a:p>
+            <a:r>
+              <a:rPr lang="en-US" sz="2000" dirty="0"/>
+              <a:t>Issue 35 – Make code Release</a:t>
+            </a:r>
+          </a:p>
+          <a:p>
+            <a:r>
+              <a:rPr lang="en-US" sz="2000" dirty="0"/>
+              <a:t>Issue 26 – Re-envision Universe (concept exists across data sources)</a:t>
+            </a:r>
+          </a:p>
+          <a:p>
+            <a:r>
+              <a:rPr lang="en-US" sz="2000" dirty="0"/>
+              <a:t>Issue 16 – Redevelop Negative Controls Model</a:t>
+            </a:r>
+          </a:p>
+          <a:p>
+            <a:r>
+              <a:rPr lang="en-US" sz="2000" dirty="0"/>
+              <a:t>Issue 7 – Slow </a:t>
+            </a:r>
+            <a:r>
+              <a:rPr lang="en-US" sz="2000" dirty="0" err="1"/>
+              <a:t>CoOccurrence</a:t>
+            </a:r>
+            <a:r>
+              <a:rPr lang="en-US" sz="2000" dirty="0"/>
+              <a:t> Query</a:t>
+            </a:r>
+          </a:p>
+          <a:p>
+            <a:r>
+              <a:rPr lang="en-US" sz="2000" dirty="0"/>
+              <a:t>Issue 3 – MedDRA </a:t>
+            </a:r>
+            <a:r>
+              <a:rPr lang="en-US" sz="2000" dirty="0">
+                <a:sym typeface="Wingdings" panose="05000000000000000000" pitchFamily="2" charset="2"/>
+              </a:rPr>
+              <a:t> Standard Condition Map</a:t>
+            </a:r>
+            <a:endParaRPr lang="en-US" sz="2000" dirty="0"/>
+          </a:p>
+          <a:p>
+            <a:r>
+              <a:rPr lang="en-US" sz="2000" dirty="0"/>
+              <a:t>Web API Changes</a:t>
+            </a:r>
+          </a:p>
+          <a:p>
+            <a:pPr lvl="1"/>
+            <a:r>
+              <a:rPr lang="en-US" sz="1800" dirty="0"/>
+              <a:t>Issue 29 – Mixed Domain Return</a:t>
+            </a:r>
+          </a:p>
+          <a:p>
+            <a:pPr lvl="1"/>
+            <a:r>
+              <a:rPr lang="en-US" sz="1800" dirty="0"/>
+              <a:t>Issue 13 – </a:t>
+            </a:r>
+            <a:r>
+              <a:rPr lang="en-US" sz="1800" dirty="0" err="1"/>
+              <a:t>WebAPI</a:t>
+            </a:r>
+            <a:r>
+              <a:rPr lang="en-US" sz="1800" dirty="0"/>
+              <a:t> Support</a:t>
+            </a:r>
+          </a:p>
+          <a:p>
+            <a:pPr lvl="1"/>
+            <a:r>
+              <a:rPr lang="en-US" sz="1800" dirty="0"/>
+              <a:t>Issue 56 &amp; Issue 51 – getting in sync with R </a:t>
+            </a:r>
+          </a:p>
+          <a:p>
+            <a:pPr lvl="1"/>
+            <a:endParaRPr lang="en-US" sz="1800" dirty="0"/>
+          </a:p>
+          <a:p>
+            <a:pPr lvl="1"/>
+            <a:endParaRPr lang="en-US" sz="1800" dirty="0"/>
+          </a:p>
+          <a:p>
+            <a:endParaRPr lang="en-US" sz="2000" dirty="0"/>
+          </a:p>
+        </p:txBody>
+      </p:sp>
+      <p:sp>
+        <p:nvSpPr>
+          <p:cNvPr id="4" name="Slide Number Placeholder 3">
+            <a:extLst>
+              <a:ext uri="{FF2B5EF4-FFF2-40B4-BE49-F238E27FC236}">
+                <a16:creationId xmlns:a16="http://schemas.microsoft.com/office/drawing/2014/main" id="{C29A058D-941D-4FCB-B3B3-9917707B4A00}"/>
+              </a:ext>
+            </a:extLst>
+          </p:cNvPr>
+          <p:cNvSpPr>
+            <a:spLocks noGrp="1"/>
+          </p:cNvSpPr>
+          <p:nvPr>
+            <p:ph type="sldNum" sz="quarter" idx="4"/>
+          </p:nvPr>
+        </p:nvSpPr>
+        <p:spPr/>
+        <p:txBody>
+          <a:bodyPr/>
+          <a:lstStyle/>
+          <a:p>
+            <a:fld id="{D4B23ADE-8655-4B65-8917-FFC430951E95}" type="slidenum">
+              <a:rPr lang="en-US" smtClean="0"/>
+              <a:t>9</a:t>
+            </a:fld>
+            <a:endParaRPr lang="en-US"/>
+          </a:p>
+        </p:txBody>
+      </p:sp>
+    </p:spTree>
+    <p:extLst>
+      <p:ext uri="{BB962C8B-B14F-4D97-AF65-F5344CB8AC3E}">
+        <p14:creationId xmlns:p14="http://schemas.microsoft.com/office/powerpoint/2010/main" val="627028876"/>
       </p:ext>
     </p:extLst>
   </p:cSld>
